--- a/Productivity Boosters for .NET Developers.pptx
+++ b/Productivity Boosters for .NET Developers.pptx
@@ -5,7 +5,7 @@
     <p:sldMasterId id="2147483840" r:id="rId1"/>
   </p:sldMasterIdLst>
   <p:notesMasterIdLst>
-    <p:notesMasterId r:id="rId11"/>
+    <p:notesMasterId r:id="rId13"/>
   </p:notesMasterIdLst>
   <p:sldIdLst>
     <p:sldId id="320" r:id="rId2"/>
@@ -15,8 +15,10 @@
     <p:sldId id="403" r:id="rId6"/>
     <p:sldId id="404" r:id="rId7"/>
     <p:sldId id="405" r:id="rId8"/>
-    <p:sldId id="406" r:id="rId9"/>
-    <p:sldId id="399" r:id="rId10"/>
+    <p:sldId id="407" r:id="rId9"/>
+    <p:sldId id="408" r:id="rId10"/>
+    <p:sldId id="406" r:id="rId11"/>
+    <p:sldId id="399" r:id="rId12"/>
   </p:sldIdLst>
   <p:sldSz cx="9144000" cy="6858000" type="screen4x3"/>
   <p:notesSz cx="6858000" cy="9144000"/>
@@ -3520,6 +3522,200 @@
 </p:sld>
 </file>
 
+<file path=ppt/slides/slide10.xml><?xml version="1.0" encoding="utf-8"?>
+<p:sld xmlns:a="http://schemas.openxmlformats.org/drawingml/2006/main" xmlns:r="http://schemas.openxmlformats.org/officeDocument/2006/relationships" xmlns:p="http://schemas.openxmlformats.org/presentationml/2006/main">
+  <p:cSld>
+    <p:spTree>
+      <p:nvGrpSpPr>
+        <p:cNvPr id="1" name=""/>
+        <p:cNvGrpSpPr/>
+        <p:nvPr/>
+      </p:nvGrpSpPr>
+      <p:grpSpPr>
+        <a:xfrm>
+          <a:off x="0" y="0"/>
+          <a:ext cx="0" cy="0"/>
+          <a:chOff x="0" y="0"/>
+          <a:chExt cx="0" cy="0"/>
+        </a:xfrm>
+      </p:grpSpPr>
+      <p:sp>
+        <p:nvSpPr>
+          <p:cNvPr id="4" name="Title 3"/>
+          <p:cNvSpPr>
+            <a:spLocks noGrp="1"/>
+          </p:cNvSpPr>
+          <p:nvPr>
+            <p:ph type="ctrTitle"/>
+          </p:nvPr>
+        </p:nvSpPr>
+        <p:spPr>
+          <a:xfrm>
+            <a:off x="304800" y="228600"/>
+            <a:ext cx="8534400" cy="6400800"/>
+          </a:xfrm>
+        </p:spPr>
+        <p:txBody>
+          <a:bodyPr anchor="ctr"/>
+          <a:lstStyle/>
+          <a:p>
+            <a:r>
+              <a:rPr lang="en-US" sz="9000" dirty="0" smtClean="0"/>
+              <a:t>Think long term!</a:t>
+            </a:r>
+            <a:endParaRPr lang="en-US" sz="9000" dirty="0"/>
+          </a:p>
+        </p:txBody>
+      </p:sp>
+    </p:spTree>
+  </p:cSld>
+  <p:clrMapOvr>
+    <a:masterClrMapping/>
+  </p:clrMapOvr>
+</p:sld>
+</file>
+
+<file path=ppt/slides/slide11.xml><?xml version="1.0" encoding="utf-8"?>
+<p:sld xmlns:a="http://schemas.openxmlformats.org/drawingml/2006/main" xmlns:r="http://schemas.openxmlformats.org/officeDocument/2006/relationships" xmlns:p="http://schemas.openxmlformats.org/presentationml/2006/main">
+  <p:cSld>
+    <p:spTree>
+      <p:nvGrpSpPr>
+        <p:cNvPr id="1" name=""/>
+        <p:cNvGrpSpPr/>
+        <p:nvPr/>
+      </p:nvGrpSpPr>
+      <p:grpSpPr>
+        <a:xfrm>
+          <a:off x="0" y="0"/>
+          <a:ext cx="0" cy="0"/>
+          <a:chOff x="0" y="0"/>
+          <a:chExt cx="0" cy="0"/>
+        </a:xfrm>
+      </p:grpSpPr>
+      <p:sp>
+        <p:nvSpPr>
+          <p:cNvPr id="2" name="Title 1"/>
+          <p:cNvSpPr>
+            <a:spLocks noGrp="1"/>
+          </p:cNvSpPr>
+          <p:nvPr>
+            <p:ph type="title"/>
+          </p:nvPr>
+        </p:nvSpPr>
+        <p:spPr/>
+        <p:txBody>
+          <a:bodyPr>
+            <a:normAutofit/>
+          </a:bodyPr>
+          <a:lstStyle/>
+          <a:p>
+            <a:r>
+              <a:rPr lang="en-US" dirty="0" smtClean="0"/>
+              <a:t>My Info</a:t>
+            </a:r>
+            <a:endParaRPr lang="en-US" dirty="0"/>
+          </a:p>
+        </p:txBody>
+      </p:sp>
+      <p:sp>
+        <p:nvSpPr>
+          <p:cNvPr id="3" name="Content Placeholder 2"/>
+          <p:cNvSpPr>
+            <a:spLocks noGrp="1"/>
+          </p:cNvSpPr>
+          <p:nvPr>
+            <p:ph idx="1"/>
+          </p:nvPr>
+        </p:nvSpPr>
+        <p:spPr/>
+        <p:txBody>
+          <a:bodyPr>
+            <a:normAutofit/>
+          </a:bodyPr>
+          <a:lstStyle/>
+          <a:p>
+            <a:r>
+              <a:rPr lang="en-US" dirty="0" smtClean="0"/>
+              <a:t>Email: </a:t>
+            </a:r>
+            <a:r>
+              <a:rPr lang="en-US" b="1" dirty="0" smtClean="0">
+                <a:hlinkClick r:id="rId2"/>
+              </a:rPr>
+              <a:t>jon@jonkruger.com</a:t>
+            </a:r>
+            <a:endParaRPr lang="en-US" b="1" dirty="0" smtClean="0"/>
+          </a:p>
+          <a:p>
+            <a:r>
+              <a:rPr lang="en-US" dirty="0" smtClean="0"/>
+              <a:t>Twitter: </a:t>
+            </a:r>
+            <a:r>
+              <a:rPr lang="en-US" b="1" dirty="0" smtClean="0"/>
+              <a:t>@</a:t>
+            </a:r>
+            <a:r>
+              <a:rPr lang="en-US" b="1" dirty="0" err="1" smtClean="0"/>
+              <a:t>JonKruger</a:t>
+            </a:r>
+            <a:endParaRPr lang="en-US" b="1" dirty="0" smtClean="0"/>
+          </a:p>
+          <a:p>
+            <a:r>
+              <a:rPr lang="en-US" dirty="0" smtClean="0"/>
+              <a:t>Blog: </a:t>
+            </a:r>
+            <a:r>
+              <a:rPr lang="en-US" b="1" dirty="0" smtClean="0">
+                <a:hlinkClick r:id="rId3"/>
+              </a:rPr>
+              <a:t>http://jonkruger.com/blog</a:t>
+            </a:r>
+            <a:endParaRPr lang="en-US" b="1" dirty="0" smtClean="0"/>
+          </a:p>
+          <a:p>
+            <a:endParaRPr lang="en-US" b="1" dirty="0" smtClean="0"/>
+          </a:p>
+          <a:p>
+            <a:r>
+              <a:rPr lang="en-US" dirty="0" smtClean="0"/>
+              <a:t>These slides:</a:t>
+            </a:r>
+            <a:endParaRPr lang="en-US" b="1" dirty="0" smtClean="0"/>
+          </a:p>
+          <a:p>
+            <a:pPr>
+              <a:buNone/>
+            </a:pPr>
+            <a:endParaRPr lang="en-US" b="1" dirty="0" smtClean="0"/>
+          </a:p>
+          <a:p>
+            <a:endParaRPr lang="en-US" dirty="0" smtClean="0"/>
+          </a:p>
+          <a:p>
+            <a:pPr>
+              <a:buNone/>
+            </a:pPr>
+            <a:endParaRPr lang="en-US" dirty="0" smtClean="0"/>
+          </a:p>
+        </p:txBody>
+      </p:sp>
+    </p:spTree>
+  </p:cSld>
+  <p:clrMapOvr>
+    <a:masterClrMapping/>
+  </p:clrMapOvr>
+  <p:timing>
+    <p:tnLst>
+      <p:par>
+        <p:cTn id="1" dur="indefinite" restart="never" nodeType="tmRoot"/>
+      </p:par>
+    </p:tnLst>
+  </p:timing>
+</p:sld>
+</file>
+
 <file path=ppt/slides/slide2.xml><?xml version="1.0" encoding="utf-8"?>
 <p:sld xmlns:a="http://schemas.openxmlformats.org/drawingml/2006/main" xmlns:r="http://schemas.openxmlformats.org/officeDocument/2006/relationships" xmlns:p="http://schemas.openxmlformats.org/presentationml/2006/main">
   <p:cSld>
@@ -3877,7 +4073,7 @@
           <a:p>
             <a:r>
               <a:rPr lang="en-US" sz="9000" dirty="0" smtClean="0"/>
-              <a:t>Think long term!</a:t>
+              <a:t>Keep learning</a:t>
             </a:r>
             <a:endParaRPr lang="en-US" sz="9000" dirty="0"/>
           </a:p>
@@ -3910,118 +4106,33 @@
       </p:grpSpPr>
       <p:sp>
         <p:nvSpPr>
-          <p:cNvPr id="2" name="Title 1"/>
-          <p:cNvSpPr>
-            <a:spLocks noGrp="1"/>
-          </p:cNvSpPr>
-          <p:nvPr>
-            <p:ph type="title"/>
-          </p:nvPr>
-        </p:nvSpPr>
-        <p:spPr/>
-        <p:txBody>
-          <a:bodyPr>
-            <a:normAutofit/>
-          </a:bodyPr>
-          <a:lstStyle/>
-          <a:p>
-            <a:r>
-              <a:rPr lang="en-US" dirty="0" smtClean="0"/>
-              <a:t>My Info</a:t>
-            </a:r>
-            <a:endParaRPr lang="en-US" dirty="0"/>
-          </a:p>
-        </p:txBody>
-      </p:sp>
-      <p:sp>
-        <p:nvSpPr>
-          <p:cNvPr id="3" name="Content Placeholder 2"/>
-          <p:cNvSpPr>
-            <a:spLocks noGrp="1"/>
-          </p:cNvSpPr>
-          <p:nvPr>
-            <p:ph idx="1"/>
-          </p:nvPr>
-        </p:nvSpPr>
-        <p:spPr/>
-        <p:txBody>
-          <a:bodyPr>
-            <a:normAutofit/>
-          </a:bodyPr>
-          <a:lstStyle/>
-          <a:p>
-            <a:r>
-              <a:rPr lang="en-US" dirty="0" smtClean="0"/>
-              <a:t>Email: </a:t>
-            </a:r>
-            <a:r>
-              <a:rPr lang="en-US" b="1" dirty="0" smtClean="0">
-                <a:hlinkClick r:id="rId2"/>
-              </a:rPr>
-              <a:t>jon@jonkruger.com</a:t>
-            </a:r>
-            <a:endParaRPr lang="en-US" b="1" dirty="0" smtClean="0"/>
-          </a:p>
-          <a:p>
-            <a:r>
-              <a:rPr lang="en-US" dirty="0" smtClean="0"/>
-              <a:t>Twitter: </a:t>
-            </a:r>
-            <a:r>
-              <a:rPr lang="en-US" b="1" dirty="0" smtClean="0"/>
-              <a:t>@</a:t>
-            </a:r>
-            <a:r>
-              <a:rPr lang="en-US" b="1" dirty="0" err="1" smtClean="0"/>
-              <a:t>JonKruger</a:t>
-            </a:r>
-            <a:endParaRPr lang="en-US" b="1" dirty="0" smtClean="0"/>
-          </a:p>
-          <a:p>
-            <a:r>
-              <a:rPr lang="en-US" dirty="0" smtClean="0"/>
-              <a:t>Blog: </a:t>
-            </a:r>
-            <a:r>
-              <a:rPr lang="en-US" b="1" dirty="0" smtClean="0">
-                <a:hlinkClick r:id="rId3"/>
-              </a:rPr>
-              <a:t>http://jonkruger.com/blog</a:t>
-            </a:r>
-            <a:endParaRPr lang="en-US" b="1" dirty="0" smtClean="0"/>
-          </a:p>
-          <a:p>
-            <a:endParaRPr lang="en-US" b="1" dirty="0" smtClean="0"/>
-          </a:p>
-          <a:p>
-            <a:r>
-              <a:rPr lang="en-US" dirty="0" smtClean="0"/>
-              <a:t>These </a:t>
-            </a:r>
-            <a:r>
-              <a:rPr lang="en-US" dirty="0" smtClean="0"/>
-              <a:t>slides</a:t>
-            </a:r>
-            <a:r>
-              <a:rPr lang="en-US" dirty="0" smtClean="0"/>
-              <a:t>:</a:t>
-            </a:r>
-            <a:endParaRPr lang="en-US" b="1" dirty="0" smtClean="0"/>
-          </a:p>
-          <a:p>
-            <a:pPr>
-              <a:buNone/>
-            </a:pPr>
-            <a:endParaRPr lang="en-US" b="1" dirty="0" smtClean="0"/>
-          </a:p>
-          <a:p>
-            <a:endParaRPr lang="en-US" dirty="0" smtClean="0"/>
-          </a:p>
-          <a:p>
-            <a:pPr>
-              <a:buNone/>
-            </a:pPr>
-            <a:endParaRPr lang="en-US" dirty="0" smtClean="0"/>
+          <p:cNvPr id="4" name="Title 3"/>
+          <p:cNvSpPr>
+            <a:spLocks noGrp="1"/>
+          </p:cNvSpPr>
+          <p:nvPr>
+            <p:ph type="ctrTitle"/>
+          </p:nvPr>
+        </p:nvSpPr>
+        <p:spPr>
+          <a:xfrm>
+            <a:off x="304800" y="228600"/>
+            <a:ext cx="8534400" cy="6400800"/>
+          </a:xfrm>
+        </p:spPr>
+        <p:txBody>
+          <a:bodyPr anchor="ctr"/>
+          <a:lstStyle/>
+          <a:p>
+            <a:r>
+              <a:rPr lang="en-US" sz="9000" dirty="0" smtClean="0"/>
+              <a:t>Have </a:t>
+            </a:r>
+            <a:r>
+              <a:rPr lang="en-US" sz="9000" smtClean="0"/>
+              <a:t>a plan</a:t>
+            </a:r>
+            <a:endParaRPr lang="en-US" sz="9000" dirty="0"/>
           </a:p>
         </p:txBody>
       </p:sp>
@@ -4030,13 +4141,6 @@
   <p:clrMapOvr>
     <a:masterClrMapping/>
   </p:clrMapOvr>
-  <p:timing>
-    <p:tnLst>
-      <p:par>
-        <p:cTn id="1" dur="indefinite" restart="never" nodeType="tmRoot"/>
-      </p:par>
-    </p:tnLst>
-  </p:timing>
 </p:sld>
 </file>
 

--- a/Productivity Boosters for .NET Developers.pptx
+++ b/Productivity Boosters for .NET Developers.pptx
@@ -5,20 +5,21 @@
     <p:sldMasterId id="2147483840" r:id="rId1"/>
   </p:sldMasterIdLst>
   <p:notesMasterIdLst>
-    <p:notesMasterId r:id="rId13"/>
+    <p:notesMasterId r:id="rId14"/>
   </p:notesMasterIdLst>
   <p:sldIdLst>
     <p:sldId id="320" r:id="rId2"/>
     <p:sldId id="400" r:id="rId3"/>
     <p:sldId id="401" r:id="rId4"/>
-    <p:sldId id="402" r:id="rId5"/>
-    <p:sldId id="403" r:id="rId6"/>
-    <p:sldId id="404" r:id="rId7"/>
-    <p:sldId id="405" r:id="rId8"/>
-    <p:sldId id="407" r:id="rId9"/>
-    <p:sldId id="408" r:id="rId10"/>
-    <p:sldId id="406" r:id="rId11"/>
-    <p:sldId id="399" r:id="rId12"/>
+    <p:sldId id="409" r:id="rId5"/>
+    <p:sldId id="402" r:id="rId6"/>
+    <p:sldId id="403" r:id="rId7"/>
+    <p:sldId id="404" r:id="rId8"/>
+    <p:sldId id="405" r:id="rId9"/>
+    <p:sldId id="407" r:id="rId10"/>
+    <p:sldId id="408" r:id="rId11"/>
+    <p:sldId id="406" r:id="rId12"/>
+    <p:sldId id="399" r:id="rId13"/>
   </p:sldIdLst>
   <p:sldSz cx="9144000" cy="6858000" type="screen4x3"/>
   <p:notesSz cx="6858000" cy="9144000"/>
@@ -203,7 +204,7 @@
             <a:fld id="{CE22DD2D-CE48-432A-B750-FE638311F72D}" type="datetimeFigureOut">
               <a:rPr lang="en-US" smtClean="0"/>
               <a:pPr/>
-              <a:t>7/19/2010</a:t>
+              <a:t>7/20/2010</a:t>
             </a:fld>
             <a:endParaRPr lang="en-US"/>
           </a:p>
@@ -469,6 +470,837 @@
 </p:notesMaster>
 </file>
 
+<file path=ppt/notesSlides/notesSlide1.xml><?xml version="1.0" encoding="utf-8"?>
+<p:notes xmlns:a="http://schemas.openxmlformats.org/drawingml/2006/main" xmlns:r="http://schemas.openxmlformats.org/officeDocument/2006/relationships" xmlns:p="http://schemas.openxmlformats.org/presentationml/2006/main">
+  <p:cSld>
+    <p:spTree>
+      <p:nvGrpSpPr>
+        <p:cNvPr id="1" name=""/>
+        <p:cNvGrpSpPr/>
+        <p:nvPr/>
+      </p:nvGrpSpPr>
+      <p:grpSpPr>
+        <a:xfrm>
+          <a:off x="0" y="0"/>
+          <a:ext cx="0" cy="0"/>
+          <a:chOff x="0" y="0"/>
+          <a:chExt cx="0" cy="0"/>
+        </a:xfrm>
+      </p:grpSpPr>
+      <p:sp>
+        <p:nvSpPr>
+          <p:cNvPr id="2" name="Slide Image Placeholder 1"/>
+          <p:cNvSpPr>
+            <a:spLocks noGrp="1" noRot="1" noChangeAspect="1"/>
+          </p:cNvSpPr>
+          <p:nvPr>
+            <p:ph type="sldImg"/>
+          </p:nvPr>
+        </p:nvSpPr>
+        <p:spPr/>
+      </p:sp>
+      <p:sp>
+        <p:nvSpPr>
+          <p:cNvPr id="3" name="Notes Placeholder 2"/>
+          <p:cNvSpPr>
+            <a:spLocks noGrp="1"/>
+          </p:cNvSpPr>
+          <p:nvPr>
+            <p:ph type="body" idx="1"/>
+          </p:nvPr>
+        </p:nvSpPr>
+        <p:spPr/>
+        <p:txBody>
+          <a:bodyPr>
+            <a:normAutofit/>
+          </a:bodyPr>
+          <a:lstStyle/>
+          <a:p>
+            <a:r>
+              <a:rPr lang="en-US" dirty="0" smtClean="0"/>
+              <a:t>-Print out the keyboard shortcuts</a:t>
+            </a:r>
+          </a:p>
+          <a:p>
+            <a:r>
+              <a:rPr lang="en-US" dirty="0" smtClean="0"/>
+              <a:t>-</a:t>
+            </a:r>
+            <a:r>
+              <a:rPr lang="en-US" dirty="0" err="1" smtClean="0"/>
+              <a:t>Regex</a:t>
+            </a:r>
+            <a:r>
+              <a:rPr lang="en-US" dirty="0" smtClean="0"/>
+              <a:t> find and replace</a:t>
+            </a:r>
+          </a:p>
+          <a:p>
+            <a:r>
+              <a:rPr lang="en-US" dirty="0" smtClean="0"/>
+              <a:t>-Ctrl-Arrows, incremental search</a:t>
+            </a:r>
+          </a:p>
+          <a:p>
+            <a:r>
+              <a:rPr lang="en-US" dirty="0" smtClean="0"/>
+              <a:t>-Close</a:t>
+            </a:r>
+            <a:r>
+              <a:rPr lang="en-US" baseline="0" dirty="0" smtClean="0"/>
+              <a:t> the solution explorer</a:t>
+            </a:r>
+          </a:p>
+          <a:p>
+            <a:r>
+              <a:rPr lang="en-US" baseline="0" dirty="0" smtClean="0"/>
+              <a:t>-Turn off toolbars and menus</a:t>
+            </a:r>
+            <a:endParaRPr lang="en-US" dirty="0"/>
+          </a:p>
+        </p:txBody>
+      </p:sp>
+      <p:sp>
+        <p:nvSpPr>
+          <p:cNvPr id="4" name="Slide Number Placeholder 3"/>
+          <p:cNvSpPr>
+            <a:spLocks noGrp="1"/>
+          </p:cNvSpPr>
+          <p:nvPr>
+            <p:ph type="sldNum" sz="quarter" idx="10"/>
+          </p:nvPr>
+        </p:nvSpPr>
+        <p:spPr/>
+        <p:txBody>
+          <a:bodyPr/>
+          <a:lstStyle/>
+          <a:p>
+            <a:fld id="{46B52E04-8F68-435C-880A-7C7B12D9BA2F}" type="slidenum">
+              <a:rPr lang="en-US" smtClean="0"/>
+              <a:pPr/>
+              <a:t>2</a:t>
+            </a:fld>
+            <a:endParaRPr lang="en-US"/>
+          </a:p>
+        </p:txBody>
+      </p:sp>
+    </p:spTree>
+  </p:cSld>
+  <p:clrMapOvr>
+    <a:masterClrMapping/>
+  </p:clrMapOvr>
+</p:notes>
+</file>
+
+<file path=ppt/notesSlides/notesSlide2.xml><?xml version="1.0" encoding="utf-8"?>
+<p:notes xmlns:a="http://schemas.openxmlformats.org/drawingml/2006/main" xmlns:r="http://schemas.openxmlformats.org/officeDocument/2006/relationships" xmlns:p="http://schemas.openxmlformats.org/presentationml/2006/main">
+  <p:cSld>
+    <p:spTree>
+      <p:nvGrpSpPr>
+        <p:cNvPr id="1" name=""/>
+        <p:cNvGrpSpPr/>
+        <p:nvPr/>
+      </p:nvGrpSpPr>
+      <p:grpSpPr>
+        <a:xfrm>
+          <a:off x="0" y="0"/>
+          <a:ext cx="0" cy="0"/>
+          <a:chOff x="0" y="0"/>
+          <a:chExt cx="0" cy="0"/>
+        </a:xfrm>
+      </p:grpSpPr>
+      <p:sp>
+        <p:nvSpPr>
+          <p:cNvPr id="2" name="Slide Image Placeholder 1"/>
+          <p:cNvSpPr>
+            <a:spLocks noGrp="1" noRot="1" noChangeAspect="1"/>
+          </p:cNvSpPr>
+          <p:nvPr>
+            <p:ph type="sldImg"/>
+          </p:nvPr>
+        </p:nvSpPr>
+        <p:spPr/>
+      </p:sp>
+      <p:sp>
+        <p:nvSpPr>
+          <p:cNvPr id="3" name="Notes Placeholder 2"/>
+          <p:cNvSpPr>
+            <a:spLocks noGrp="1"/>
+          </p:cNvSpPr>
+          <p:nvPr>
+            <p:ph type="body" idx="1"/>
+          </p:nvPr>
+        </p:nvSpPr>
+        <p:spPr/>
+        <p:txBody>
+          <a:bodyPr>
+            <a:normAutofit/>
+          </a:bodyPr>
+          <a:lstStyle/>
+          <a:p>
+            <a:pPr marL="0" marR="0" indent="0" algn="l" defTabSz="914400" rtl="0" eaLnBrk="1" fontAlgn="auto" latinLnBrk="0" hangingPunct="1">
+              <a:lnSpc>
+                <a:spcPct val="100000"/>
+              </a:lnSpc>
+              <a:spcBef>
+                <a:spcPts val="0"/>
+              </a:spcBef>
+              <a:spcAft>
+                <a:spcPts val="0"/>
+              </a:spcAft>
+              <a:buClrTx/>
+              <a:buSzTx/>
+              <a:buFontTx/>
+              <a:buNone/>
+              <a:tabLst/>
+              <a:defRPr/>
+            </a:pPr>
+            <a:r>
+              <a:rPr lang="en-US" dirty="0" smtClean="0"/>
+              <a:t>Real time errors</a:t>
+            </a:r>
+          </a:p>
+          <a:p>
+            <a:r>
+              <a:rPr lang="en-US" dirty="0" smtClean="0"/>
+              <a:t>Find type</a:t>
+            </a:r>
+          </a:p>
+          <a:p>
+            <a:r>
+              <a:rPr lang="en-US" dirty="0" smtClean="0"/>
+              <a:t>Find file</a:t>
+            </a:r>
+          </a:p>
+          <a:p>
+            <a:r>
+              <a:rPr lang="en-US" dirty="0" smtClean="0"/>
+              <a:t>Move to folder</a:t>
+            </a:r>
+          </a:p>
+          <a:p>
+            <a:r>
+              <a:rPr lang="en-US" dirty="0" smtClean="0"/>
+              <a:t>Rename</a:t>
+            </a:r>
+          </a:p>
+        </p:txBody>
+      </p:sp>
+      <p:sp>
+        <p:nvSpPr>
+          <p:cNvPr id="4" name="Slide Number Placeholder 3"/>
+          <p:cNvSpPr>
+            <a:spLocks noGrp="1"/>
+          </p:cNvSpPr>
+          <p:nvPr>
+            <p:ph type="sldNum" sz="quarter" idx="10"/>
+          </p:nvPr>
+        </p:nvSpPr>
+        <p:spPr/>
+        <p:txBody>
+          <a:bodyPr/>
+          <a:lstStyle/>
+          <a:p>
+            <a:fld id="{46B52E04-8F68-435C-880A-7C7B12D9BA2F}" type="slidenum">
+              <a:rPr lang="en-US" smtClean="0"/>
+              <a:pPr/>
+              <a:t>3</a:t>
+            </a:fld>
+            <a:endParaRPr lang="en-US"/>
+          </a:p>
+        </p:txBody>
+      </p:sp>
+    </p:spTree>
+  </p:cSld>
+  <p:clrMapOvr>
+    <a:masterClrMapping/>
+  </p:clrMapOvr>
+</p:notes>
+</file>
+
+<file path=ppt/notesSlides/notesSlide3.xml><?xml version="1.0" encoding="utf-8"?>
+<p:notes xmlns:a="http://schemas.openxmlformats.org/drawingml/2006/main" xmlns:r="http://schemas.openxmlformats.org/officeDocument/2006/relationships" xmlns:p="http://schemas.openxmlformats.org/presentationml/2006/main">
+  <p:cSld>
+    <p:spTree>
+      <p:nvGrpSpPr>
+        <p:cNvPr id="1" name=""/>
+        <p:cNvGrpSpPr/>
+        <p:nvPr/>
+      </p:nvGrpSpPr>
+      <p:grpSpPr>
+        <a:xfrm>
+          <a:off x="0" y="0"/>
+          <a:ext cx="0" cy="0"/>
+          <a:chOff x="0" y="0"/>
+          <a:chExt cx="0" cy="0"/>
+        </a:xfrm>
+      </p:grpSpPr>
+      <p:sp>
+        <p:nvSpPr>
+          <p:cNvPr id="2" name="Slide Image Placeholder 1"/>
+          <p:cNvSpPr>
+            <a:spLocks noGrp="1" noRot="1" noChangeAspect="1"/>
+          </p:cNvSpPr>
+          <p:nvPr>
+            <p:ph type="sldImg"/>
+          </p:nvPr>
+        </p:nvSpPr>
+        <p:spPr/>
+      </p:sp>
+      <p:sp>
+        <p:nvSpPr>
+          <p:cNvPr id="3" name="Notes Placeholder 2"/>
+          <p:cNvSpPr>
+            <a:spLocks noGrp="1"/>
+          </p:cNvSpPr>
+          <p:nvPr>
+            <p:ph type="body" idx="1"/>
+          </p:nvPr>
+        </p:nvSpPr>
+        <p:spPr/>
+        <p:txBody>
+          <a:bodyPr>
+            <a:normAutofit/>
+          </a:bodyPr>
+          <a:lstStyle/>
+          <a:p>
+            <a:endParaRPr lang="en-US" dirty="0"/>
+          </a:p>
+        </p:txBody>
+      </p:sp>
+      <p:sp>
+        <p:nvSpPr>
+          <p:cNvPr id="4" name="Slide Number Placeholder 3"/>
+          <p:cNvSpPr>
+            <a:spLocks noGrp="1"/>
+          </p:cNvSpPr>
+          <p:nvPr>
+            <p:ph type="sldNum" sz="quarter" idx="10"/>
+          </p:nvPr>
+        </p:nvSpPr>
+        <p:spPr/>
+        <p:txBody>
+          <a:bodyPr/>
+          <a:lstStyle/>
+          <a:p>
+            <a:fld id="{46B52E04-8F68-435C-880A-7C7B12D9BA2F}" type="slidenum">
+              <a:rPr lang="en-US" smtClean="0"/>
+              <a:pPr/>
+              <a:t>4</a:t>
+            </a:fld>
+            <a:endParaRPr lang="en-US"/>
+          </a:p>
+        </p:txBody>
+      </p:sp>
+    </p:spTree>
+  </p:cSld>
+  <p:clrMapOvr>
+    <a:masterClrMapping/>
+  </p:clrMapOvr>
+</p:notes>
+</file>
+
+<file path=ppt/notesSlides/notesSlide4.xml><?xml version="1.0" encoding="utf-8"?>
+<p:notes xmlns:a="http://schemas.openxmlformats.org/drawingml/2006/main" xmlns:r="http://schemas.openxmlformats.org/officeDocument/2006/relationships" xmlns:p="http://schemas.openxmlformats.org/presentationml/2006/main">
+  <p:cSld>
+    <p:spTree>
+      <p:nvGrpSpPr>
+        <p:cNvPr id="1" name=""/>
+        <p:cNvGrpSpPr/>
+        <p:nvPr/>
+      </p:nvGrpSpPr>
+      <p:grpSpPr>
+        <a:xfrm>
+          <a:off x="0" y="0"/>
+          <a:ext cx="0" cy="0"/>
+          <a:chOff x="0" y="0"/>
+          <a:chExt cx="0" cy="0"/>
+        </a:xfrm>
+      </p:grpSpPr>
+      <p:sp>
+        <p:nvSpPr>
+          <p:cNvPr id="2" name="Slide Image Placeholder 1"/>
+          <p:cNvSpPr>
+            <a:spLocks noGrp="1" noRot="1" noChangeAspect="1"/>
+          </p:cNvSpPr>
+          <p:nvPr>
+            <p:ph type="sldImg"/>
+          </p:nvPr>
+        </p:nvSpPr>
+        <p:spPr/>
+      </p:sp>
+      <p:sp>
+        <p:nvSpPr>
+          <p:cNvPr id="3" name="Notes Placeholder 2"/>
+          <p:cNvSpPr>
+            <a:spLocks noGrp="1"/>
+          </p:cNvSpPr>
+          <p:nvPr>
+            <p:ph type="body" idx="1"/>
+          </p:nvPr>
+        </p:nvSpPr>
+        <p:spPr/>
+        <p:txBody>
+          <a:bodyPr>
+            <a:normAutofit/>
+          </a:bodyPr>
+          <a:lstStyle/>
+          <a:p>
+            <a:r>
+              <a:rPr lang="en-US" dirty="0" smtClean="0"/>
+              <a:t>Move 5 chars</a:t>
+            </a:r>
+          </a:p>
+          <a:p>
+            <a:r>
+              <a:rPr lang="en-US" dirty="0" smtClean="0"/>
+              <a:t>Remap Caps</a:t>
+            </a:r>
+            <a:r>
+              <a:rPr lang="en-US" baseline="0" dirty="0" smtClean="0"/>
+              <a:t> Lock to End</a:t>
+            </a:r>
+            <a:endParaRPr lang="en-US" dirty="0"/>
+          </a:p>
+        </p:txBody>
+      </p:sp>
+      <p:sp>
+        <p:nvSpPr>
+          <p:cNvPr id="4" name="Slide Number Placeholder 3"/>
+          <p:cNvSpPr>
+            <a:spLocks noGrp="1"/>
+          </p:cNvSpPr>
+          <p:nvPr>
+            <p:ph type="sldNum" sz="quarter" idx="10"/>
+          </p:nvPr>
+        </p:nvSpPr>
+        <p:spPr/>
+        <p:txBody>
+          <a:bodyPr/>
+          <a:lstStyle/>
+          <a:p>
+            <a:fld id="{46B52E04-8F68-435C-880A-7C7B12D9BA2F}" type="slidenum">
+              <a:rPr lang="en-US" smtClean="0"/>
+              <a:pPr/>
+              <a:t>5</a:t>
+            </a:fld>
+            <a:endParaRPr lang="en-US"/>
+          </a:p>
+        </p:txBody>
+      </p:sp>
+    </p:spTree>
+  </p:cSld>
+  <p:clrMapOvr>
+    <a:masterClrMapping/>
+  </p:clrMapOvr>
+</p:notes>
+</file>
+
+<file path=ppt/notesSlides/notesSlide5.xml><?xml version="1.0" encoding="utf-8"?>
+<p:notes xmlns:a="http://schemas.openxmlformats.org/drawingml/2006/main" xmlns:r="http://schemas.openxmlformats.org/officeDocument/2006/relationships" xmlns:p="http://schemas.openxmlformats.org/presentationml/2006/main">
+  <p:cSld>
+    <p:spTree>
+      <p:nvGrpSpPr>
+        <p:cNvPr id="1" name=""/>
+        <p:cNvGrpSpPr/>
+        <p:nvPr/>
+      </p:nvGrpSpPr>
+      <p:grpSpPr>
+        <a:xfrm>
+          <a:off x="0" y="0"/>
+          <a:ext cx="0" cy="0"/>
+          <a:chOff x="0" y="0"/>
+          <a:chExt cx="0" cy="0"/>
+        </a:xfrm>
+      </p:grpSpPr>
+      <p:sp>
+        <p:nvSpPr>
+          <p:cNvPr id="2" name="Slide Image Placeholder 1"/>
+          <p:cNvSpPr>
+            <a:spLocks noGrp="1" noRot="1" noChangeAspect="1"/>
+          </p:cNvSpPr>
+          <p:nvPr>
+            <p:ph type="sldImg"/>
+          </p:nvPr>
+        </p:nvSpPr>
+        <p:spPr/>
+      </p:sp>
+      <p:sp>
+        <p:nvSpPr>
+          <p:cNvPr id="3" name="Notes Placeholder 2"/>
+          <p:cNvSpPr>
+            <a:spLocks noGrp="1"/>
+          </p:cNvSpPr>
+          <p:nvPr>
+            <p:ph type="body" idx="1"/>
+          </p:nvPr>
+        </p:nvSpPr>
+        <p:spPr/>
+        <p:txBody>
+          <a:bodyPr>
+            <a:normAutofit/>
+          </a:bodyPr>
+          <a:lstStyle/>
+          <a:p>
+            <a:r>
+              <a:rPr lang="en-US" dirty="0" smtClean="0"/>
+              <a:t>Builds</a:t>
+            </a:r>
+          </a:p>
+          <a:p>
+            <a:r>
+              <a:rPr lang="en-US" dirty="0" smtClean="0"/>
+              <a:t>Deployments</a:t>
+            </a:r>
+          </a:p>
+          <a:p>
+            <a:r>
+              <a:rPr lang="en-US" dirty="0" smtClean="0"/>
+              <a:t>Code generation</a:t>
+            </a:r>
+          </a:p>
+          <a:p>
+            <a:r>
+              <a:rPr lang="en-US" dirty="0" smtClean="0"/>
+              <a:t>Live templates</a:t>
+            </a:r>
+          </a:p>
+          <a:p>
+            <a:r>
+              <a:rPr lang="en-US" dirty="0" smtClean="0"/>
+              <a:t>File</a:t>
+            </a:r>
+            <a:r>
+              <a:rPr lang="en-US" baseline="0" dirty="0" smtClean="0"/>
+              <a:t> templates</a:t>
+            </a:r>
+            <a:endParaRPr lang="en-US" dirty="0"/>
+          </a:p>
+        </p:txBody>
+      </p:sp>
+      <p:sp>
+        <p:nvSpPr>
+          <p:cNvPr id="4" name="Slide Number Placeholder 3"/>
+          <p:cNvSpPr>
+            <a:spLocks noGrp="1"/>
+          </p:cNvSpPr>
+          <p:nvPr>
+            <p:ph type="sldNum" sz="quarter" idx="10"/>
+          </p:nvPr>
+        </p:nvSpPr>
+        <p:spPr/>
+        <p:txBody>
+          <a:bodyPr/>
+          <a:lstStyle/>
+          <a:p>
+            <a:fld id="{46B52E04-8F68-435C-880A-7C7B12D9BA2F}" type="slidenum">
+              <a:rPr lang="en-US" smtClean="0"/>
+              <a:pPr/>
+              <a:t>7</a:t>
+            </a:fld>
+            <a:endParaRPr lang="en-US"/>
+          </a:p>
+        </p:txBody>
+      </p:sp>
+    </p:spTree>
+  </p:cSld>
+  <p:clrMapOvr>
+    <a:masterClrMapping/>
+  </p:clrMapOvr>
+</p:notes>
+</file>
+
+<file path=ppt/notesSlides/notesSlide6.xml><?xml version="1.0" encoding="utf-8"?>
+<p:notes xmlns:a="http://schemas.openxmlformats.org/drawingml/2006/main" xmlns:r="http://schemas.openxmlformats.org/officeDocument/2006/relationships" xmlns:p="http://schemas.openxmlformats.org/presentationml/2006/main">
+  <p:cSld>
+    <p:spTree>
+      <p:nvGrpSpPr>
+        <p:cNvPr id="1" name=""/>
+        <p:cNvGrpSpPr/>
+        <p:nvPr/>
+      </p:nvGrpSpPr>
+      <p:grpSpPr>
+        <a:xfrm>
+          <a:off x="0" y="0"/>
+          <a:ext cx="0" cy="0"/>
+          <a:chOff x="0" y="0"/>
+          <a:chExt cx="0" cy="0"/>
+        </a:xfrm>
+      </p:grpSpPr>
+      <p:sp>
+        <p:nvSpPr>
+          <p:cNvPr id="2" name="Slide Image Placeholder 1"/>
+          <p:cNvSpPr>
+            <a:spLocks noGrp="1" noRot="1" noChangeAspect="1"/>
+          </p:cNvSpPr>
+          <p:nvPr>
+            <p:ph type="sldImg"/>
+          </p:nvPr>
+        </p:nvSpPr>
+        <p:spPr/>
+      </p:sp>
+      <p:sp>
+        <p:nvSpPr>
+          <p:cNvPr id="3" name="Notes Placeholder 2"/>
+          <p:cNvSpPr>
+            <a:spLocks noGrp="1"/>
+          </p:cNvSpPr>
+          <p:nvPr>
+            <p:ph type="body" idx="1"/>
+          </p:nvPr>
+        </p:nvSpPr>
+        <p:spPr/>
+        <p:txBody>
+          <a:bodyPr>
+            <a:normAutofit/>
+          </a:bodyPr>
+          <a:lstStyle/>
+          <a:p>
+            <a:r>
+              <a:rPr lang="en-US" dirty="0" smtClean="0"/>
+              <a:t>Strive</a:t>
+            </a:r>
+            <a:r>
+              <a:rPr lang="en-US" baseline="0" dirty="0" smtClean="0"/>
+              <a:t> to get better each day in every area of your life</a:t>
+            </a:r>
+            <a:endParaRPr lang="en-US" dirty="0"/>
+          </a:p>
+        </p:txBody>
+      </p:sp>
+      <p:sp>
+        <p:nvSpPr>
+          <p:cNvPr id="4" name="Slide Number Placeholder 3"/>
+          <p:cNvSpPr>
+            <a:spLocks noGrp="1"/>
+          </p:cNvSpPr>
+          <p:nvPr>
+            <p:ph type="sldNum" sz="quarter" idx="10"/>
+          </p:nvPr>
+        </p:nvSpPr>
+        <p:spPr/>
+        <p:txBody>
+          <a:bodyPr/>
+          <a:lstStyle/>
+          <a:p>
+            <a:fld id="{46B52E04-8F68-435C-880A-7C7B12D9BA2F}" type="slidenum">
+              <a:rPr lang="en-US" smtClean="0"/>
+              <a:pPr/>
+              <a:t>9</a:t>
+            </a:fld>
+            <a:endParaRPr lang="en-US"/>
+          </a:p>
+        </p:txBody>
+      </p:sp>
+    </p:spTree>
+  </p:cSld>
+  <p:clrMapOvr>
+    <a:masterClrMapping/>
+  </p:clrMapOvr>
+</p:notes>
+</file>
+
+<file path=ppt/notesSlides/notesSlide7.xml><?xml version="1.0" encoding="utf-8"?>
+<p:notes xmlns:a="http://schemas.openxmlformats.org/drawingml/2006/main" xmlns:r="http://schemas.openxmlformats.org/officeDocument/2006/relationships" xmlns:p="http://schemas.openxmlformats.org/presentationml/2006/main">
+  <p:cSld>
+    <p:spTree>
+      <p:nvGrpSpPr>
+        <p:cNvPr id="1" name=""/>
+        <p:cNvGrpSpPr/>
+        <p:nvPr/>
+      </p:nvGrpSpPr>
+      <p:grpSpPr>
+        <a:xfrm>
+          <a:off x="0" y="0"/>
+          <a:ext cx="0" cy="0"/>
+          <a:chOff x="0" y="0"/>
+          <a:chExt cx="0" cy="0"/>
+        </a:xfrm>
+      </p:grpSpPr>
+      <p:sp>
+        <p:nvSpPr>
+          <p:cNvPr id="2" name="Slide Image Placeholder 1"/>
+          <p:cNvSpPr>
+            <a:spLocks noGrp="1" noRot="1" noChangeAspect="1"/>
+          </p:cNvSpPr>
+          <p:nvPr>
+            <p:ph type="sldImg"/>
+          </p:nvPr>
+        </p:nvSpPr>
+        <p:spPr/>
+      </p:sp>
+      <p:sp>
+        <p:nvSpPr>
+          <p:cNvPr id="3" name="Notes Placeholder 2"/>
+          <p:cNvSpPr>
+            <a:spLocks noGrp="1"/>
+          </p:cNvSpPr>
+          <p:nvPr>
+            <p:ph type="body" idx="1"/>
+          </p:nvPr>
+        </p:nvSpPr>
+        <p:spPr/>
+        <p:txBody>
+          <a:bodyPr>
+            <a:normAutofit/>
+          </a:bodyPr>
+          <a:lstStyle/>
+          <a:p>
+            <a:pPr marL="0" marR="0" indent="0" algn="l" defTabSz="914400" rtl="0" eaLnBrk="1" fontAlgn="auto" latinLnBrk="0" hangingPunct="1">
+              <a:lnSpc>
+                <a:spcPct val="100000"/>
+              </a:lnSpc>
+              <a:spcBef>
+                <a:spcPts val="0"/>
+              </a:spcBef>
+              <a:spcAft>
+                <a:spcPts val="0"/>
+              </a:spcAft>
+              <a:buClrTx/>
+              <a:buSzTx/>
+              <a:buFontTx/>
+              <a:buNone/>
+              <a:tabLst/>
+              <a:defRPr/>
+            </a:pPr>
+            <a:r>
+              <a:rPr lang="en-US" dirty="0" smtClean="0"/>
+              <a:t>Set goals for yourself</a:t>
+            </a:r>
+          </a:p>
+          <a:p>
+            <a:endParaRPr lang="en-US" dirty="0"/>
+          </a:p>
+        </p:txBody>
+      </p:sp>
+      <p:sp>
+        <p:nvSpPr>
+          <p:cNvPr id="4" name="Slide Number Placeholder 3"/>
+          <p:cNvSpPr>
+            <a:spLocks noGrp="1"/>
+          </p:cNvSpPr>
+          <p:nvPr>
+            <p:ph type="sldNum" sz="quarter" idx="10"/>
+          </p:nvPr>
+        </p:nvSpPr>
+        <p:spPr/>
+        <p:txBody>
+          <a:bodyPr/>
+          <a:lstStyle/>
+          <a:p>
+            <a:fld id="{46B52E04-8F68-435C-880A-7C7B12D9BA2F}" type="slidenum">
+              <a:rPr lang="en-US" smtClean="0"/>
+              <a:pPr/>
+              <a:t>10</a:t>
+            </a:fld>
+            <a:endParaRPr lang="en-US"/>
+          </a:p>
+        </p:txBody>
+      </p:sp>
+    </p:spTree>
+  </p:cSld>
+  <p:clrMapOvr>
+    <a:masterClrMapping/>
+  </p:clrMapOvr>
+</p:notes>
+</file>
+
+<file path=ppt/notesSlides/notesSlide8.xml><?xml version="1.0" encoding="utf-8"?>
+<p:notes xmlns:a="http://schemas.openxmlformats.org/drawingml/2006/main" xmlns:r="http://schemas.openxmlformats.org/officeDocument/2006/relationships" xmlns:p="http://schemas.openxmlformats.org/presentationml/2006/main">
+  <p:cSld>
+    <p:spTree>
+      <p:nvGrpSpPr>
+        <p:cNvPr id="1" name=""/>
+        <p:cNvGrpSpPr/>
+        <p:nvPr/>
+      </p:nvGrpSpPr>
+      <p:grpSpPr>
+        <a:xfrm>
+          <a:off x="0" y="0"/>
+          <a:ext cx="0" cy="0"/>
+          <a:chOff x="0" y="0"/>
+          <a:chExt cx="0" cy="0"/>
+        </a:xfrm>
+      </p:grpSpPr>
+      <p:sp>
+        <p:nvSpPr>
+          <p:cNvPr id="2" name="Slide Image Placeholder 1"/>
+          <p:cNvSpPr>
+            <a:spLocks noGrp="1" noRot="1" noChangeAspect="1"/>
+          </p:cNvSpPr>
+          <p:nvPr>
+            <p:ph type="sldImg"/>
+          </p:nvPr>
+        </p:nvSpPr>
+        <p:spPr/>
+      </p:sp>
+      <p:sp>
+        <p:nvSpPr>
+          <p:cNvPr id="3" name="Notes Placeholder 2"/>
+          <p:cNvSpPr>
+            <a:spLocks noGrp="1"/>
+          </p:cNvSpPr>
+          <p:nvPr>
+            <p:ph type="body" idx="1"/>
+          </p:nvPr>
+        </p:nvSpPr>
+        <p:spPr/>
+        <p:txBody>
+          <a:bodyPr>
+            <a:normAutofit/>
+          </a:bodyPr>
+          <a:lstStyle/>
+          <a:p>
+            <a:r>
+              <a:rPr lang="en-US" dirty="0" smtClean="0"/>
+              <a:t>Make smart</a:t>
+            </a:r>
+            <a:r>
+              <a:rPr lang="en-US" baseline="0" dirty="0" smtClean="0"/>
+              <a:t>, long-term decisions</a:t>
+            </a:r>
+          </a:p>
+          <a:p>
+            <a:r>
+              <a:rPr lang="en-US" baseline="0" dirty="0" smtClean="0"/>
+              <a:t>Don’t lose common sense in an attempt to finish your current task as fast as you can</a:t>
+            </a:r>
+            <a:endParaRPr lang="en-US" dirty="0"/>
+          </a:p>
+        </p:txBody>
+      </p:sp>
+      <p:sp>
+        <p:nvSpPr>
+          <p:cNvPr id="4" name="Slide Number Placeholder 3"/>
+          <p:cNvSpPr>
+            <a:spLocks noGrp="1"/>
+          </p:cNvSpPr>
+          <p:nvPr>
+            <p:ph type="sldNum" sz="quarter" idx="10"/>
+          </p:nvPr>
+        </p:nvSpPr>
+        <p:spPr/>
+        <p:txBody>
+          <a:bodyPr/>
+          <a:lstStyle/>
+          <a:p>
+            <a:fld id="{46B52E04-8F68-435C-880A-7C7B12D9BA2F}" type="slidenum">
+              <a:rPr lang="en-US" smtClean="0"/>
+              <a:pPr/>
+              <a:t>11</a:t>
+            </a:fld>
+            <a:endParaRPr lang="en-US"/>
+          </a:p>
+        </p:txBody>
+      </p:sp>
+    </p:spTree>
+  </p:cSld>
+  <p:clrMapOvr>
+    <a:masterClrMapping/>
+  </p:clrMapOvr>
+</p:notes>
+</file>
+
 <file path=ppt/slideLayouts/slideLayout1.xml><?xml version="1.0" encoding="utf-8"?>
 <p:sldLayout xmlns:a="http://schemas.openxmlformats.org/drawingml/2006/main" xmlns:r="http://schemas.openxmlformats.org/officeDocument/2006/relationships" xmlns:p="http://schemas.openxmlformats.org/presentationml/2006/main" type="title" preserve="1">
   <p:cSld name="Title Slide">
@@ -629,7 +1461,7 @@
             <a:fld id="{C3F416CD-67A3-4CF0-A210-F6AF31AC147F}" type="datetimeFigureOut">
               <a:rPr lang="en-US" smtClean="0"/>
               <a:pPr/>
-              <a:t>7/19/2010</a:t>
+              <a:t>7/20/2010</a:t>
             </a:fld>
             <a:endParaRPr lang="en-US"/>
           </a:p>
@@ -809,7 +1641,7 @@
             <a:fld id="{C3F416CD-67A3-4CF0-A210-F6AF31AC147F}" type="datetimeFigureOut">
               <a:rPr lang="en-US" smtClean="0"/>
               <a:pPr/>
-              <a:t>7/19/2010</a:t>
+              <a:t>7/20/2010</a:t>
             </a:fld>
             <a:endParaRPr lang="en-US"/>
           </a:p>
@@ -986,7 +1818,7 @@
             <a:fld id="{C3F416CD-67A3-4CF0-A210-F6AF31AC147F}" type="datetimeFigureOut">
               <a:rPr lang="en-US" smtClean="0"/>
               <a:pPr/>
-              <a:t>7/19/2010</a:t>
+              <a:t>7/20/2010</a:t>
             </a:fld>
             <a:endParaRPr lang="en-US"/>
           </a:p>
@@ -1153,7 +1985,7 @@
             <a:fld id="{C3F416CD-67A3-4CF0-A210-F6AF31AC147F}" type="datetimeFigureOut">
               <a:rPr lang="en-US" smtClean="0"/>
               <a:pPr/>
-              <a:t>7/19/2010</a:t>
+              <a:t>7/20/2010</a:t>
             </a:fld>
             <a:endParaRPr lang="en-US"/>
           </a:p>
@@ -1366,7 +2198,7 @@
             <a:fld id="{C3F416CD-67A3-4CF0-A210-F6AF31AC147F}" type="datetimeFigureOut">
               <a:rPr lang="en-US" smtClean="0"/>
               <a:pPr/>
-              <a:t>7/19/2010</a:t>
+              <a:t>7/20/2010</a:t>
             </a:fld>
             <a:endParaRPr lang="en-US"/>
           </a:p>
@@ -1651,7 +2483,7 @@
             <a:fld id="{C3F416CD-67A3-4CF0-A210-F6AF31AC147F}" type="datetimeFigureOut">
               <a:rPr lang="en-US" smtClean="0"/>
               <a:pPr/>
-              <a:t>7/19/2010</a:t>
+              <a:t>7/20/2010</a:t>
             </a:fld>
             <a:endParaRPr lang="en-US"/>
           </a:p>
@@ -2083,7 +2915,7 @@
             <a:fld id="{C3F416CD-67A3-4CF0-A210-F6AF31AC147F}" type="datetimeFigureOut">
               <a:rPr lang="en-US" smtClean="0"/>
               <a:pPr algn="l" eaLnBrk="1" latinLnBrk="0" hangingPunct="1"/>
-              <a:t>7/19/2010</a:t>
+              <a:t>7/20/2010</a:t>
             </a:fld>
             <a:endParaRPr lang="en-US"/>
           </a:p>
@@ -2203,7 +3035,7 @@
             <a:fld id="{C3F416CD-67A3-4CF0-A210-F6AF31AC147F}" type="datetimeFigureOut">
               <a:rPr lang="en-US" smtClean="0"/>
               <a:pPr/>
-              <a:t>7/19/2010</a:t>
+              <a:t>7/20/2010</a:t>
             </a:fld>
             <a:endParaRPr lang="en-US"/>
           </a:p>
@@ -2295,7 +3127,7 @@
             <a:fld id="{C3F416CD-67A3-4CF0-A210-F6AF31AC147F}" type="datetimeFigureOut">
               <a:rPr lang="en-US" smtClean="0"/>
               <a:pPr/>
-              <a:t>7/19/2010</a:t>
+              <a:t>7/20/2010</a:t>
             </a:fld>
             <a:endParaRPr lang="en-US"/>
           </a:p>
@@ -2586,7 +3418,7 @@
             <a:fld id="{C3F416CD-67A3-4CF0-A210-F6AF31AC147F}" type="datetimeFigureOut">
               <a:rPr lang="en-US" smtClean="0"/>
               <a:pPr/>
-              <a:t>7/19/2010</a:t>
+              <a:t>7/20/2010</a:t>
             </a:fld>
             <a:endParaRPr lang="en-US"/>
           </a:p>
@@ -2913,7 +3745,7 @@
             <a:fld id="{C3F416CD-67A3-4CF0-A210-F6AF31AC147F}" type="datetimeFigureOut">
               <a:rPr lang="en-US" smtClean="0"/>
               <a:pPr/>
-              <a:t>7/19/2010</a:t>
+              <a:t>7/20/2010</a:t>
             </a:fld>
             <a:endParaRPr lang="en-US"/>
           </a:p>
@@ -3134,7 +3966,7 @@
             <a:fld id="{C3F416CD-67A3-4CF0-A210-F6AF31AC147F}" type="datetimeFigureOut">
               <a:rPr lang="en-US" smtClean="0"/>
               <a:pPr algn="l" eaLnBrk="1" latinLnBrk="0" hangingPunct="1"/>
-              <a:t>7/19/2010</a:t>
+              <a:t>7/20/2010</a:t>
             </a:fld>
             <a:endParaRPr lang="en-US" sz="800" dirty="0">
               <a:solidFill>
@@ -3561,7 +4393,11 @@
           <a:p>
             <a:r>
               <a:rPr lang="en-US" sz="9000" dirty="0" smtClean="0"/>
-              <a:t>Think long term!</a:t>
+              <a:t>Have </a:t>
+            </a:r>
+            <a:r>
+              <a:rPr lang="en-US" sz="9000" smtClean="0"/>
+              <a:t>a plan</a:t>
             </a:r>
             <a:endParaRPr lang="en-US" sz="9000" dirty="0"/>
           </a:p>
@@ -3576,6 +4412,59 @@
 </file>
 
 <file path=ppt/slides/slide11.xml><?xml version="1.0" encoding="utf-8"?>
+<p:sld xmlns:a="http://schemas.openxmlformats.org/drawingml/2006/main" xmlns:r="http://schemas.openxmlformats.org/officeDocument/2006/relationships" xmlns:p="http://schemas.openxmlformats.org/presentationml/2006/main">
+  <p:cSld>
+    <p:spTree>
+      <p:nvGrpSpPr>
+        <p:cNvPr id="1" name=""/>
+        <p:cNvGrpSpPr/>
+        <p:nvPr/>
+      </p:nvGrpSpPr>
+      <p:grpSpPr>
+        <a:xfrm>
+          <a:off x="0" y="0"/>
+          <a:ext cx="0" cy="0"/>
+          <a:chOff x="0" y="0"/>
+          <a:chExt cx="0" cy="0"/>
+        </a:xfrm>
+      </p:grpSpPr>
+      <p:sp>
+        <p:nvSpPr>
+          <p:cNvPr id="4" name="Title 3"/>
+          <p:cNvSpPr>
+            <a:spLocks noGrp="1"/>
+          </p:cNvSpPr>
+          <p:nvPr>
+            <p:ph type="ctrTitle"/>
+          </p:nvPr>
+        </p:nvSpPr>
+        <p:spPr>
+          <a:xfrm>
+            <a:off x="304800" y="228600"/>
+            <a:ext cx="8534400" cy="6400800"/>
+          </a:xfrm>
+        </p:spPr>
+        <p:txBody>
+          <a:bodyPr anchor="ctr"/>
+          <a:lstStyle/>
+          <a:p>
+            <a:r>
+              <a:rPr lang="en-US" sz="9000" dirty="0" smtClean="0"/>
+              <a:t>Think long term!</a:t>
+            </a:r>
+            <a:endParaRPr lang="en-US" sz="9000" dirty="0"/>
+          </a:p>
+        </p:txBody>
+      </p:sp>
+    </p:spTree>
+  </p:cSld>
+  <p:clrMapOvr>
+    <a:masterClrMapping/>
+  </p:clrMapOvr>
+</p:sld>
+</file>
+
+<file path=ppt/slides/slide12.xml><?xml version="1.0" encoding="utf-8"?>
 <p:sld xmlns:a="http://schemas.openxmlformats.org/drawingml/2006/main" xmlns:r="http://schemas.openxmlformats.org/officeDocument/2006/relationships" xmlns:p="http://schemas.openxmlformats.org/presentationml/2006/main">
   <p:cSld>
     <p:spTree>
@@ -3755,7 +4644,7 @@
           <a:p>
             <a:r>
               <a:rPr lang="en-US" sz="9000" dirty="0" smtClean="0"/>
-              <a:t>Keyboard shortcuts</a:t>
+              <a:t>Learn your IDE</a:t>
             </a:r>
             <a:endParaRPr lang="en-US" sz="9000" dirty="0"/>
           </a:p>
@@ -3860,8 +4749,8 @@
           <a:lstStyle/>
           <a:p>
             <a:r>
-              <a:rPr lang="en-US" sz="9000" dirty="0" err="1" smtClean="0"/>
-              <a:t>AutoHotKey</a:t>
+              <a:rPr lang="en-US" sz="9000" dirty="0" smtClean="0"/>
+              <a:t>Lose the mouse</a:t>
             </a:r>
             <a:endParaRPr lang="en-US" sz="9000" dirty="0"/>
           </a:p>
@@ -3913,8 +4802,8 @@
           <a:lstStyle/>
           <a:p>
             <a:r>
-              <a:rPr lang="en-US" sz="9000" dirty="0" smtClean="0"/>
-              <a:t>Small tasks</a:t>
+              <a:rPr lang="en-US" sz="9000" dirty="0" err="1" smtClean="0"/>
+              <a:t>AutoHotKey</a:t>
             </a:r>
             <a:endParaRPr lang="en-US" sz="9000" dirty="0"/>
           </a:p>
@@ -3967,7 +4856,7 @@
           <a:p>
             <a:r>
               <a:rPr lang="en-US" sz="9000" dirty="0" smtClean="0"/>
-              <a:t>Automate everything</a:t>
+              <a:t>Small tasks</a:t>
             </a:r>
             <a:endParaRPr lang="en-US" sz="9000" dirty="0"/>
           </a:p>
@@ -4020,7 +4909,7 @@
           <a:p>
             <a:r>
               <a:rPr lang="en-US" sz="9000" dirty="0" smtClean="0"/>
-              <a:t>Eliminate distractions</a:t>
+              <a:t>Automate everything</a:t>
             </a:r>
             <a:endParaRPr lang="en-US" sz="9000" dirty="0"/>
           </a:p>
@@ -4073,7 +4962,7 @@
           <a:p>
             <a:r>
               <a:rPr lang="en-US" sz="9000" dirty="0" smtClean="0"/>
-              <a:t>Keep learning</a:t>
+              <a:t>Eliminate distractions</a:t>
             </a:r>
             <a:endParaRPr lang="en-US" sz="9000" dirty="0"/>
           </a:p>
@@ -4126,11 +5015,7 @@
           <a:p>
             <a:r>
               <a:rPr lang="en-US" sz="9000" dirty="0" smtClean="0"/>
-              <a:t>Have </a:t>
-            </a:r>
-            <a:r>
-              <a:rPr lang="en-US" sz="9000" smtClean="0"/>
-              <a:t>a plan</a:t>
+              <a:t>Keep learning</a:t>
             </a:r>
             <a:endParaRPr lang="en-US" sz="9000" dirty="0"/>
           </a:p>

--- a/Productivity Boosters for .NET Developers.pptx
+++ b/Productivity Boosters for .NET Developers.pptx
@@ -5,7 +5,7 @@
     <p:sldMasterId id="2147483840" r:id="rId1"/>
   </p:sldMasterIdLst>
   <p:notesMasterIdLst>
-    <p:notesMasterId r:id="rId14"/>
+    <p:notesMasterId r:id="rId17"/>
   </p:notesMasterIdLst>
   <p:sldIdLst>
     <p:sldId id="320" r:id="rId2"/>
@@ -13,13 +13,16 @@
     <p:sldId id="401" r:id="rId4"/>
     <p:sldId id="409" r:id="rId5"/>
     <p:sldId id="402" r:id="rId6"/>
-    <p:sldId id="403" r:id="rId7"/>
-    <p:sldId id="404" r:id="rId8"/>
-    <p:sldId id="405" r:id="rId9"/>
-    <p:sldId id="407" r:id="rId10"/>
-    <p:sldId id="408" r:id="rId11"/>
-    <p:sldId id="406" r:id="rId12"/>
-    <p:sldId id="399" r:id="rId13"/>
+    <p:sldId id="410" r:id="rId7"/>
+    <p:sldId id="403" r:id="rId8"/>
+    <p:sldId id="411" r:id="rId9"/>
+    <p:sldId id="404" r:id="rId10"/>
+    <p:sldId id="405" r:id="rId11"/>
+    <p:sldId id="407" r:id="rId12"/>
+    <p:sldId id="408" r:id="rId13"/>
+    <p:sldId id="406" r:id="rId14"/>
+    <p:sldId id="412" r:id="rId15"/>
+    <p:sldId id="399" r:id="rId16"/>
   </p:sldIdLst>
   <p:sldSz cx="9144000" cy="6858000" type="screen4x3"/>
   <p:notesSz cx="6858000" cy="9144000"/>
@@ -204,7 +207,7 @@
             <a:fld id="{CE22DD2D-CE48-432A-B750-FE638311F72D}" type="datetimeFigureOut">
               <a:rPr lang="en-US" smtClean="0"/>
               <a:pPr/>
-              <a:t>7/20/2010</a:t>
+              <a:t>7/21/2010</a:t>
             </a:fld>
             <a:endParaRPr lang="en-US"/>
           </a:p>
@@ -592,6 +595,102 @@
 </p:notes>
 </file>
 
+<file path=ppt/notesSlides/notesSlide10.xml><?xml version="1.0" encoding="utf-8"?>
+<p:notes xmlns:a="http://schemas.openxmlformats.org/drawingml/2006/main" xmlns:r="http://schemas.openxmlformats.org/officeDocument/2006/relationships" xmlns:p="http://schemas.openxmlformats.org/presentationml/2006/main">
+  <p:cSld>
+    <p:spTree>
+      <p:nvGrpSpPr>
+        <p:cNvPr id="1" name=""/>
+        <p:cNvGrpSpPr/>
+        <p:nvPr/>
+      </p:nvGrpSpPr>
+      <p:grpSpPr>
+        <a:xfrm>
+          <a:off x="0" y="0"/>
+          <a:ext cx="0" cy="0"/>
+          <a:chOff x="0" y="0"/>
+          <a:chExt cx="0" cy="0"/>
+        </a:xfrm>
+      </p:grpSpPr>
+      <p:sp>
+        <p:nvSpPr>
+          <p:cNvPr id="2" name="Slide Image Placeholder 1"/>
+          <p:cNvSpPr>
+            <a:spLocks noGrp="1" noRot="1" noChangeAspect="1"/>
+          </p:cNvSpPr>
+          <p:nvPr>
+            <p:ph type="sldImg"/>
+          </p:nvPr>
+        </p:nvSpPr>
+        <p:spPr/>
+      </p:sp>
+      <p:sp>
+        <p:nvSpPr>
+          <p:cNvPr id="3" name="Notes Placeholder 2"/>
+          <p:cNvSpPr>
+            <a:spLocks noGrp="1"/>
+          </p:cNvSpPr>
+          <p:nvPr>
+            <p:ph type="body" idx="1"/>
+          </p:nvPr>
+        </p:nvSpPr>
+        <p:spPr/>
+        <p:txBody>
+          <a:bodyPr>
+            <a:normAutofit/>
+          </a:bodyPr>
+          <a:lstStyle/>
+          <a:p>
+            <a:r>
+              <a:rPr lang="en-US" dirty="0" smtClean="0"/>
+              <a:t>Make smart</a:t>
+            </a:r>
+            <a:r>
+              <a:rPr lang="en-US" baseline="0" dirty="0" smtClean="0"/>
+              <a:t>, long-term decisions</a:t>
+            </a:r>
+          </a:p>
+          <a:p>
+            <a:r>
+              <a:rPr lang="en-US" baseline="0" dirty="0" smtClean="0"/>
+              <a:t>Don’t lose common sense in an attempt to finish your current task as fast as you can</a:t>
+            </a:r>
+            <a:endParaRPr lang="en-US" dirty="0"/>
+          </a:p>
+        </p:txBody>
+      </p:sp>
+      <p:sp>
+        <p:nvSpPr>
+          <p:cNvPr id="4" name="Slide Number Placeholder 3"/>
+          <p:cNvSpPr>
+            <a:spLocks noGrp="1"/>
+          </p:cNvSpPr>
+          <p:nvPr>
+            <p:ph type="sldNum" sz="quarter" idx="10"/>
+          </p:nvPr>
+        </p:nvSpPr>
+        <p:spPr/>
+        <p:txBody>
+          <a:bodyPr/>
+          <a:lstStyle/>
+          <a:p>
+            <a:fld id="{46B52E04-8F68-435C-880A-7C7B12D9BA2F}" type="slidenum">
+              <a:rPr lang="en-US" smtClean="0"/>
+              <a:pPr/>
+              <a:t>14</a:t>
+            </a:fld>
+            <a:endParaRPr lang="en-US"/>
+          </a:p>
+        </p:txBody>
+      </p:sp>
+    </p:spTree>
+  </p:cSld>
+  <p:clrMapOvr>
+    <a:masterClrMapping/>
+  </p:clrMapOvr>
+</p:notes>
+</file>
+
 <file path=ppt/notesSlides/notesSlide2.xml><?xml version="1.0" encoding="utf-8"?>
 <p:notes xmlns:a="http://schemas.openxmlformats.org/drawingml/2006/main" xmlns:r="http://schemas.openxmlformats.org/officeDocument/2006/relationships" xmlns:p="http://schemas.openxmlformats.org/presentationml/2006/main">
   <p:cSld>
@@ -944,35 +1043,7 @@
           <a:p>
             <a:r>
               <a:rPr lang="en-US" dirty="0" smtClean="0"/>
-              <a:t>Builds</a:t>
-            </a:r>
-          </a:p>
-          <a:p>
-            <a:r>
-              <a:rPr lang="en-US" dirty="0" smtClean="0"/>
-              <a:t>Deployments</a:t>
-            </a:r>
-          </a:p>
-          <a:p>
-            <a:r>
-              <a:rPr lang="en-US" dirty="0" smtClean="0"/>
-              <a:t>Code generation</a:t>
-            </a:r>
-          </a:p>
-          <a:p>
-            <a:r>
-              <a:rPr lang="en-US" dirty="0" smtClean="0"/>
-              <a:t>Live templates</a:t>
-            </a:r>
-          </a:p>
-          <a:p>
-            <a:r>
-              <a:rPr lang="en-US" dirty="0" smtClean="0"/>
-              <a:t>File</a:t>
-            </a:r>
-            <a:r>
-              <a:rPr lang="en-US" baseline="0" dirty="0" smtClean="0"/>
-              <a:t> templates</a:t>
+              <a:t>CLCL</a:t>
             </a:r>
             <a:endParaRPr lang="en-US" dirty="0"/>
           </a:p>
@@ -996,7 +1067,7 @@
             <a:fld id="{46B52E04-8F68-435C-880A-7C7B12D9BA2F}" type="slidenum">
               <a:rPr lang="en-US" smtClean="0"/>
               <a:pPr/>
-              <a:t>7</a:t>
+              <a:t>6</a:t>
             </a:fld>
             <a:endParaRPr lang="en-US"/>
           </a:p>
@@ -1058,11 +1129,35 @@
           <a:p>
             <a:r>
               <a:rPr lang="en-US" dirty="0" smtClean="0"/>
-              <a:t>Strive</a:t>
+              <a:t>Builds</a:t>
+            </a:r>
+          </a:p>
+          <a:p>
+            <a:r>
+              <a:rPr lang="en-US" dirty="0" smtClean="0"/>
+              <a:t>Deployments</a:t>
+            </a:r>
+          </a:p>
+          <a:p>
+            <a:r>
+              <a:rPr lang="en-US" dirty="0" smtClean="0"/>
+              <a:t>Code generation</a:t>
+            </a:r>
+          </a:p>
+          <a:p>
+            <a:r>
+              <a:rPr lang="en-US" dirty="0" smtClean="0"/>
+              <a:t>Live templates</a:t>
+            </a:r>
+          </a:p>
+          <a:p>
+            <a:r>
+              <a:rPr lang="en-US" dirty="0" smtClean="0"/>
+              <a:t>File</a:t>
             </a:r>
             <a:r>
               <a:rPr lang="en-US" baseline="0" dirty="0" smtClean="0"/>
-              <a:t> to get better each day in every area of your life</a:t>
+              <a:t> templates</a:t>
             </a:r>
             <a:endParaRPr lang="en-US" dirty="0"/>
           </a:p>
@@ -1146,29 +1241,14 @@
           </a:bodyPr>
           <a:lstStyle/>
           <a:p>
-            <a:pPr marL="0" marR="0" indent="0" algn="l" defTabSz="914400" rtl="0" eaLnBrk="1" fontAlgn="auto" latinLnBrk="0" hangingPunct="1">
-              <a:lnSpc>
-                <a:spcPct val="100000"/>
-              </a:lnSpc>
-              <a:spcBef>
-                <a:spcPts val="0"/>
-              </a:spcBef>
-              <a:spcAft>
-                <a:spcPts val="0"/>
-              </a:spcAft>
-              <a:buClrTx/>
-              <a:buSzTx/>
-              <a:buFontTx/>
-              <a:buNone/>
-              <a:tabLst/>
-              <a:defRPr/>
-            </a:pPr>
             <a:r>
               <a:rPr lang="en-US" dirty="0" smtClean="0"/>
-              <a:t>Set goals for yourself</a:t>
-            </a:r>
-          </a:p>
-          <a:p>
+              <a:t>Strive</a:t>
+            </a:r>
+            <a:r>
+              <a:rPr lang="en-US" baseline="0" dirty="0" smtClean="0"/>
+              <a:t> to get better each day in every area of your life</a:t>
+            </a:r>
             <a:endParaRPr lang="en-US" dirty="0"/>
           </a:p>
         </p:txBody>
@@ -1191,7 +1271,7 @@
             <a:fld id="{46B52E04-8F68-435C-880A-7C7B12D9BA2F}" type="slidenum">
               <a:rPr lang="en-US" smtClean="0"/>
               <a:pPr/>
-              <a:t>10</a:t>
+              <a:t>11</a:t>
             </a:fld>
             <a:endParaRPr lang="en-US"/>
           </a:p>
@@ -1251,6 +1331,111 @@
           </a:bodyPr>
           <a:lstStyle/>
           <a:p>
+            <a:pPr marL="0" marR="0" indent="0" algn="l" defTabSz="914400" rtl="0" eaLnBrk="1" fontAlgn="auto" latinLnBrk="0" hangingPunct="1">
+              <a:lnSpc>
+                <a:spcPct val="100000"/>
+              </a:lnSpc>
+              <a:spcBef>
+                <a:spcPts val="0"/>
+              </a:spcBef>
+              <a:spcAft>
+                <a:spcPts val="0"/>
+              </a:spcAft>
+              <a:buClrTx/>
+              <a:buSzTx/>
+              <a:buFontTx/>
+              <a:buNone/>
+              <a:tabLst/>
+              <a:defRPr/>
+            </a:pPr>
+            <a:r>
+              <a:rPr lang="en-US" dirty="0" smtClean="0"/>
+              <a:t>Set goals for yourself</a:t>
+            </a:r>
+          </a:p>
+          <a:p>
+            <a:endParaRPr lang="en-US" dirty="0"/>
+          </a:p>
+        </p:txBody>
+      </p:sp>
+      <p:sp>
+        <p:nvSpPr>
+          <p:cNvPr id="4" name="Slide Number Placeholder 3"/>
+          <p:cNvSpPr>
+            <a:spLocks noGrp="1"/>
+          </p:cNvSpPr>
+          <p:nvPr>
+            <p:ph type="sldNum" sz="quarter" idx="10"/>
+          </p:nvPr>
+        </p:nvSpPr>
+        <p:spPr/>
+        <p:txBody>
+          <a:bodyPr/>
+          <a:lstStyle/>
+          <a:p>
+            <a:fld id="{46B52E04-8F68-435C-880A-7C7B12D9BA2F}" type="slidenum">
+              <a:rPr lang="en-US" smtClean="0"/>
+              <a:pPr/>
+              <a:t>12</a:t>
+            </a:fld>
+            <a:endParaRPr lang="en-US"/>
+          </a:p>
+        </p:txBody>
+      </p:sp>
+    </p:spTree>
+  </p:cSld>
+  <p:clrMapOvr>
+    <a:masterClrMapping/>
+  </p:clrMapOvr>
+</p:notes>
+</file>
+
+<file path=ppt/notesSlides/notesSlide9.xml><?xml version="1.0" encoding="utf-8"?>
+<p:notes xmlns:a="http://schemas.openxmlformats.org/drawingml/2006/main" xmlns:r="http://schemas.openxmlformats.org/officeDocument/2006/relationships" xmlns:p="http://schemas.openxmlformats.org/presentationml/2006/main">
+  <p:cSld>
+    <p:spTree>
+      <p:nvGrpSpPr>
+        <p:cNvPr id="1" name=""/>
+        <p:cNvGrpSpPr/>
+        <p:nvPr/>
+      </p:nvGrpSpPr>
+      <p:grpSpPr>
+        <a:xfrm>
+          <a:off x="0" y="0"/>
+          <a:ext cx="0" cy="0"/>
+          <a:chOff x="0" y="0"/>
+          <a:chExt cx="0" cy="0"/>
+        </a:xfrm>
+      </p:grpSpPr>
+      <p:sp>
+        <p:nvSpPr>
+          <p:cNvPr id="2" name="Slide Image Placeholder 1"/>
+          <p:cNvSpPr>
+            <a:spLocks noGrp="1" noRot="1" noChangeAspect="1"/>
+          </p:cNvSpPr>
+          <p:nvPr>
+            <p:ph type="sldImg"/>
+          </p:nvPr>
+        </p:nvSpPr>
+        <p:spPr/>
+      </p:sp>
+      <p:sp>
+        <p:nvSpPr>
+          <p:cNvPr id="3" name="Notes Placeholder 2"/>
+          <p:cNvSpPr>
+            <a:spLocks noGrp="1"/>
+          </p:cNvSpPr>
+          <p:nvPr>
+            <p:ph type="body" idx="1"/>
+          </p:nvPr>
+        </p:nvSpPr>
+        <p:spPr/>
+        <p:txBody>
+          <a:bodyPr>
+            <a:normAutofit/>
+          </a:bodyPr>
+          <a:lstStyle/>
+          <a:p>
             <a:r>
               <a:rPr lang="en-US" dirty="0" smtClean="0"/>
               <a:t>Make smart</a:t>
@@ -1287,7 +1472,7 @@
             <a:fld id="{46B52E04-8F68-435C-880A-7C7B12D9BA2F}" type="slidenum">
               <a:rPr lang="en-US" smtClean="0"/>
               <a:pPr/>
-              <a:t>11</a:t>
+              <a:t>13</a:t>
             </a:fld>
             <a:endParaRPr lang="en-US"/>
           </a:p>
@@ -1461,7 +1646,7 @@
             <a:fld id="{C3F416CD-67A3-4CF0-A210-F6AF31AC147F}" type="datetimeFigureOut">
               <a:rPr lang="en-US" smtClean="0"/>
               <a:pPr/>
-              <a:t>7/20/2010</a:t>
+              <a:t>7/21/2010</a:t>
             </a:fld>
             <a:endParaRPr lang="en-US"/>
           </a:p>
@@ -1641,7 +1826,7 @@
             <a:fld id="{C3F416CD-67A3-4CF0-A210-F6AF31AC147F}" type="datetimeFigureOut">
               <a:rPr lang="en-US" smtClean="0"/>
               <a:pPr/>
-              <a:t>7/20/2010</a:t>
+              <a:t>7/21/2010</a:t>
             </a:fld>
             <a:endParaRPr lang="en-US"/>
           </a:p>
@@ -1818,7 +2003,7 @@
             <a:fld id="{C3F416CD-67A3-4CF0-A210-F6AF31AC147F}" type="datetimeFigureOut">
               <a:rPr lang="en-US" smtClean="0"/>
               <a:pPr/>
-              <a:t>7/20/2010</a:t>
+              <a:t>7/21/2010</a:t>
             </a:fld>
             <a:endParaRPr lang="en-US"/>
           </a:p>
@@ -1985,7 +2170,7 @@
             <a:fld id="{C3F416CD-67A3-4CF0-A210-F6AF31AC147F}" type="datetimeFigureOut">
               <a:rPr lang="en-US" smtClean="0"/>
               <a:pPr/>
-              <a:t>7/20/2010</a:t>
+              <a:t>7/21/2010</a:t>
             </a:fld>
             <a:endParaRPr lang="en-US"/>
           </a:p>
@@ -2198,7 +2383,7 @@
             <a:fld id="{C3F416CD-67A3-4CF0-A210-F6AF31AC147F}" type="datetimeFigureOut">
               <a:rPr lang="en-US" smtClean="0"/>
               <a:pPr/>
-              <a:t>7/20/2010</a:t>
+              <a:t>7/21/2010</a:t>
             </a:fld>
             <a:endParaRPr lang="en-US"/>
           </a:p>
@@ -2483,7 +2668,7 @@
             <a:fld id="{C3F416CD-67A3-4CF0-A210-F6AF31AC147F}" type="datetimeFigureOut">
               <a:rPr lang="en-US" smtClean="0"/>
               <a:pPr/>
-              <a:t>7/20/2010</a:t>
+              <a:t>7/21/2010</a:t>
             </a:fld>
             <a:endParaRPr lang="en-US"/>
           </a:p>
@@ -2915,7 +3100,7 @@
             <a:fld id="{C3F416CD-67A3-4CF0-A210-F6AF31AC147F}" type="datetimeFigureOut">
               <a:rPr lang="en-US" smtClean="0"/>
               <a:pPr algn="l" eaLnBrk="1" latinLnBrk="0" hangingPunct="1"/>
-              <a:t>7/20/2010</a:t>
+              <a:t>7/21/2010</a:t>
             </a:fld>
             <a:endParaRPr lang="en-US"/>
           </a:p>
@@ -3035,7 +3220,7 @@
             <a:fld id="{C3F416CD-67A3-4CF0-A210-F6AF31AC147F}" type="datetimeFigureOut">
               <a:rPr lang="en-US" smtClean="0"/>
               <a:pPr/>
-              <a:t>7/20/2010</a:t>
+              <a:t>7/21/2010</a:t>
             </a:fld>
             <a:endParaRPr lang="en-US"/>
           </a:p>
@@ -3127,7 +3312,7 @@
             <a:fld id="{C3F416CD-67A3-4CF0-A210-F6AF31AC147F}" type="datetimeFigureOut">
               <a:rPr lang="en-US" smtClean="0"/>
               <a:pPr/>
-              <a:t>7/20/2010</a:t>
+              <a:t>7/21/2010</a:t>
             </a:fld>
             <a:endParaRPr lang="en-US"/>
           </a:p>
@@ -3418,7 +3603,7 @@
             <a:fld id="{C3F416CD-67A3-4CF0-A210-F6AF31AC147F}" type="datetimeFigureOut">
               <a:rPr lang="en-US" smtClean="0"/>
               <a:pPr/>
-              <a:t>7/20/2010</a:t>
+              <a:t>7/21/2010</a:t>
             </a:fld>
             <a:endParaRPr lang="en-US"/>
           </a:p>
@@ -3745,7 +3930,7 @@
             <a:fld id="{C3F416CD-67A3-4CF0-A210-F6AF31AC147F}" type="datetimeFigureOut">
               <a:rPr lang="en-US" smtClean="0"/>
               <a:pPr/>
-              <a:t>7/20/2010</a:t>
+              <a:t>7/21/2010</a:t>
             </a:fld>
             <a:endParaRPr lang="en-US"/>
           </a:p>
@@ -3966,7 +4151,7 @@
             <a:fld id="{C3F416CD-67A3-4CF0-A210-F6AF31AC147F}" type="datetimeFigureOut">
               <a:rPr lang="en-US" smtClean="0"/>
               <a:pPr algn="l" eaLnBrk="1" latinLnBrk="0" hangingPunct="1"/>
-              <a:t>7/20/2010</a:t>
+              <a:t>7/21/2010</a:t>
             </a:fld>
             <a:endParaRPr lang="en-US" sz="800" dirty="0">
               <a:solidFill>
@@ -4393,11 +4578,7 @@
           <a:p>
             <a:r>
               <a:rPr lang="en-US" sz="9000" dirty="0" smtClean="0"/>
-              <a:t>Have </a:t>
-            </a:r>
-            <a:r>
-              <a:rPr lang="en-US" sz="9000" smtClean="0"/>
-              <a:t>a plan</a:t>
+              <a:t>Eliminate distractions</a:t>
             </a:r>
             <a:endParaRPr lang="en-US" sz="9000" dirty="0"/>
           </a:p>
@@ -4450,7 +4631,7 @@
           <a:p>
             <a:r>
               <a:rPr lang="en-US" sz="9000" dirty="0" smtClean="0"/>
-              <a:t>Think long term!</a:t>
+              <a:t>Keep learning</a:t>
             </a:r>
             <a:endParaRPr lang="en-US" sz="9000" dirty="0"/>
           </a:p>
@@ -4465,6 +4646,176 @@
 </file>
 
 <file path=ppt/slides/slide12.xml><?xml version="1.0" encoding="utf-8"?>
+<p:sld xmlns:a="http://schemas.openxmlformats.org/drawingml/2006/main" xmlns:r="http://schemas.openxmlformats.org/officeDocument/2006/relationships" xmlns:p="http://schemas.openxmlformats.org/presentationml/2006/main">
+  <p:cSld>
+    <p:spTree>
+      <p:nvGrpSpPr>
+        <p:cNvPr id="1" name=""/>
+        <p:cNvGrpSpPr/>
+        <p:nvPr/>
+      </p:nvGrpSpPr>
+      <p:grpSpPr>
+        <a:xfrm>
+          <a:off x="0" y="0"/>
+          <a:ext cx="0" cy="0"/>
+          <a:chOff x="0" y="0"/>
+          <a:chExt cx="0" cy="0"/>
+        </a:xfrm>
+      </p:grpSpPr>
+      <p:sp>
+        <p:nvSpPr>
+          <p:cNvPr id="4" name="Title 3"/>
+          <p:cNvSpPr>
+            <a:spLocks noGrp="1"/>
+          </p:cNvSpPr>
+          <p:nvPr>
+            <p:ph type="ctrTitle"/>
+          </p:nvPr>
+        </p:nvSpPr>
+        <p:spPr>
+          <a:xfrm>
+            <a:off x="304800" y="228600"/>
+            <a:ext cx="8534400" cy="6400800"/>
+          </a:xfrm>
+        </p:spPr>
+        <p:txBody>
+          <a:bodyPr anchor="ctr"/>
+          <a:lstStyle/>
+          <a:p>
+            <a:r>
+              <a:rPr lang="en-US" sz="9000" dirty="0" smtClean="0"/>
+              <a:t>Have </a:t>
+            </a:r>
+            <a:r>
+              <a:rPr lang="en-US" sz="9000" smtClean="0"/>
+              <a:t>a plan</a:t>
+            </a:r>
+            <a:endParaRPr lang="en-US" sz="9000" dirty="0"/>
+          </a:p>
+        </p:txBody>
+      </p:sp>
+    </p:spTree>
+  </p:cSld>
+  <p:clrMapOvr>
+    <a:masterClrMapping/>
+  </p:clrMapOvr>
+</p:sld>
+</file>
+
+<file path=ppt/slides/slide13.xml><?xml version="1.0" encoding="utf-8"?>
+<p:sld xmlns:a="http://schemas.openxmlformats.org/drawingml/2006/main" xmlns:r="http://schemas.openxmlformats.org/officeDocument/2006/relationships" xmlns:p="http://schemas.openxmlformats.org/presentationml/2006/main">
+  <p:cSld>
+    <p:spTree>
+      <p:nvGrpSpPr>
+        <p:cNvPr id="1" name=""/>
+        <p:cNvGrpSpPr/>
+        <p:nvPr/>
+      </p:nvGrpSpPr>
+      <p:grpSpPr>
+        <a:xfrm>
+          <a:off x="0" y="0"/>
+          <a:ext cx="0" cy="0"/>
+          <a:chOff x="0" y="0"/>
+          <a:chExt cx="0" cy="0"/>
+        </a:xfrm>
+      </p:grpSpPr>
+      <p:sp>
+        <p:nvSpPr>
+          <p:cNvPr id="4" name="Title 3"/>
+          <p:cNvSpPr>
+            <a:spLocks noGrp="1"/>
+          </p:cNvSpPr>
+          <p:nvPr>
+            <p:ph type="ctrTitle"/>
+          </p:nvPr>
+        </p:nvSpPr>
+        <p:spPr>
+          <a:xfrm>
+            <a:off x="304800" y="228600"/>
+            <a:ext cx="8534400" cy="6400800"/>
+          </a:xfrm>
+        </p:spPr>
+        <p:txBody>
+          <a:bodyPr anchor="ctr"/>
+          <a:lstStyle/>
+          <a:p>
+            <a:r>
+              <a:rPr lang="en-US" sz="9000" dirty="0" smtClean="0"/>
+              <a:t>Think long term!</a:t>
+            </a:r>
+            <a:endParaRPr lang="en-US" sz="9000" dirty="0"/>
+          </a:p>
+        </p:txBody>
+      </p:sp>
+    </p:spTree>
+  </p:cSld>
+  <p:clrMapOvr>
+    <a:masterClrMapping/>
+  </p:clrMapOvr>
+</p:sld>
+</file>
+
+<file path=ppt/slides/slide14.xml><?xml version="1.0" encoding="utf-8"?>
+<p:sld xmlns:a="http://schemas.openxmlformats.org/drawingml/2006/main" xmlns:r="http://schemas.openxmlformats.org/officeDocument/2006/relationships" xmlns:p="http://schemas.openxmlformats.org/presentationml/2006/main">
+  <p:cSld>
+    <p:spTree>
+      <p:nvGrpSpPr>
+        <p:cNvPr id="1" name=""/>
+        <p:cNvGrpSpPr/>
+        <p:nvPr/>
+      </p:nvGrpSpPr>
+      <p:grpSpPr>
+        <a:xfrm>
+          <a:off x="0" y="0"/>
+          <a:ext cx="0" cy="0"/>
+          <a:chOff x="0" y="0"/>
+          <a:chExt cx="0" cy="0"/>
+        </a:xfrm>
+      </p:grpSpPr>
+      <p:sp>
+        <p:nvSpPr>
+          <p:cNvPr id="4" name="Title 3"/>
+          <p:cNvSpPr>
+            <a:spLocks noGrp="1"/>
+          </p:cNvSpPr>
+          <p:nvPr>
+            <p:ph type="ctrTitle"/>
+          </p:nvPr>
+        </p:nvSpPr>
+        <p:spPr>
+          <a:xfrm>
+            <a:off x="304800" y="228600"/>
+            <a:ext cx="8534400" cy="6400800"/>
+          </a:xfrm>
+        </p:spPr>
+        <p:txBody>
+          <a:bodyPr anchor="ctr"/>
+          <a:lstStyle/>
+          <a:p>
+            <a:r>
+              <a:rPr lang="en-US" sz="24000" dirty="0" smtClean="0"/>
+              <a:t>?</a:t>
+            </a:r>
+            <a:endParaRPr lang="en-US" sz="24000" dirty="0"/>
+          </a:p>
+        </p:txBody>
+      </p:sp>
+    </p:spTree>
+  </p:cSld>
+  <p:clrMapOvr>
+    <a:masterClrMapping/>
+  </p:clrMapOvr>
+  <p:timing>
+    <p:tnLst>
+      <p:par>
+        <p:cTn id="1" dur="indefinite" restart="never" nodeType="tmRoot"/>
+      </p:par>
+    </p:tnLst>
+  </p:timing>
+</p:sld>
+</file>
+
+<file path=ppt/slides/slide15.xml><?xml version="1.0" encoding="utf-8"?>
 <p:sld xmlns:a="http://schemas.openxmlformats.org/drawingml/2006/main" xmlns:r="http://schemas.openxmlformats.org/officeDocument/2006/relationships" xmlns:p="http://schemas.openxmlformats.org/presentationml/2006/main">
   <p:cSld>
     <p:spTree>
@@ -4856,7 +5207,7 @@
           <a:p>
             <a:r>
               <a:rPr lang="en-US" sz="9000" dirty="0" smtClean="0"/>
-              <a:t>Small tasks</a:t>
+              <a:t>Get a clipboard manager</a:t>
             </a:r>
             <a:endParaRPr lang="en-US" sz="9000" dirty="0"/>
           </a:p>
@@ -4909,7 +5260,7 @@
           <a:p>
             <a:r>
               <a:rPr lang="en-US" sz="9000" dirty="0" smtClean="0"/>
-              <a:t>Automate everything</a:t>
+              <a:t>Small tasks</a:t>
             </a:r>
             <a:endParaRPr lang="en-US" sz="9000" dirty="0"/>
           </a:p>
@@ -4942,7 +5293,7 @@
       </p:grpSpPr>
       <p:sp>
         <p:nvSpPr>
-          <p:cNvPr id="4" name="Title 3"/>
+          <p:cNvPr id="3" name="Title 2"/>
           <p:cNvSpPr>
             <a:spLocks noGrp="1"/>
           </p:cNvSpPr>
@@ -4950,29 +5301,59 @@
             <p:ph type="ctrTitle"/>
           </p:nvPr>
         </p:nvSpPr>
-        <p:spPr>
+        <p:spPr/>
+        <p:txBody>
+          <a:bodyPr/>
+          <a:lstStyle/>
+          <a:p>
+            <a:endParaRPr lang="en-US"/>
+          </a:p>
+        </p:txBody>
+      </p:sp>
+      <p:pic>
+        <p:nvPicPr>
+          <p:cNvPr id="1027" name="Picture 3"/>
+          <p:cNvPicPr>
+            <a:picLocks noChangeAspect="1" noChangeArrowheads="1"/>
+          </p:cNvPicPr>
+          <p:nvPr/>
+        </p:nvPicPr>
+        <p:blipFill>
+          <a:blip r:embed="rId2" cstate="print"/>
+          <a:srcRect/>
+          <a:stretch>
+            <a:fillRect/>
+          </a:stretch>
+        </p:blipFill>
+        <p:spPr bwMode="auto">
           <a:xfrm>
-            <a:off x="304800" y="228600"/>
-            <a:ext cx="8534400" cy="6400800"/>
+            <a:off x="-295275" y="-76200"/>
+            <a:ext cx="9734550" cy="7010400"/>
           </a:xfrm>
+          <a:prstGeom prst="rect">
+            <a:avLst/>
+          </a:prstGeom>
+          <a:noFill/>
+          <a:ln w="9525">
+            <a:noFill/>
+            <a:miter lim="800000"/>
+            <a:headEnd/>
+            <a:tailEnd/>
+          </a:ln>
         </p:spPr>
-        <p:txBody>
-          <a:bodyPr anchor="ctr"/>
-          <a:lstStyle/>
-          <a:p>
-            <a:r>
-              <a:rPr lang="en-US" sz="9000" dirty="0" smtClean="0"/>
-              <a:t>Eliminate distractions</a:t>
-            </a:r>
-            <a:endParaRPr lang="en-US" sz="9000" dirty="0"/>
-          </a:p>
-        </p:txBody>
-      </p:sp>
+      </p:pic>
     </p:spTree>
   </p:cSld>
   <p:clrMapOvr>
     <a:masterClrMapping/>
   </p:clrMapOvr>
+  <p:timing>
+    <p:tnLst>
+      <p:par>
+        <p:cTn id="1" dur="indefinite" restart="never" nodeType="tmRoot"/>
+      </p:par>
+    </p:tnLst>
+  </p:timing>
 </p:sld>
 </file>
 
@@ -5015,7 +5396,7 @@
           <a:p>
             <a:r>
               <a:rPr lang="en-US" sz="9000" dirty="0" smtClean="0"/>
-              <a:t>Keep learning</a:t>
+              <a:t>Automate everything</a:t>
             </a:r>
             <a:endParaRPr lang="en-US" sz="9000" dirty="0"/>
           </a:p>
@@ -5026,6 +5407,13 @@
   <p:clrMapOvr>
     <a:masterClrMapping/>
   </p:clrMapOvr>
+  <p:timing>
+    <p:tnLst>
+      <p:par>
+        <p:cTn id="1" dur="indefinite" restart="never" nodeType="tmRoot"/>
+      </p:par>
+    </p:tnLst>
+  </p:timing>
 </p:sld>
 </file>
 
